--- a/Management/Presentations/Presentation-02.pptx
+++ b/Management/Presentations/Presentation-02.pptx
@@ -5,7 +5,7 @@
     <p:sldMasterId id="2147483648" r:id="rId1"/>
   </p:sldMasterIdLst>
   <p:notesMasterIdLst>
-    <p:notesMasterId r:id="rId8"/>
+    <p:notesMasterId r:id="rId9"/>
   </p:notesMasterIdLst>
   <p:sldIdLst>
     <p:sldId id="256" r:id="rId2"/>
@@ -13,7 +13,8 @@
     <p:sldId id="265" r:id="rId4"/>
     <p:sldId id="266" r:id="rId5"/>
     <p:sldId id="267" r:id="rId6"/>
-    <p:sldId id="263" r:id="rId7"/>
+    <p:sldId id="268" r:id="rId7"/>
+    <p:sldId id="263" r:id="rId8"/>
   </p:sldIdLst>
   <p:sldSz cx="9144000" cy="6858000" type="screen4x3"/>
   <p:notesSz cx="6858000" cy="9144000"/>
@@ -114,7 +115,7 @@
   </p:defaultTextStyle>
   <p:extLst>
     <p:ext uri="{EFAFB233-063F-42B5-8137-9DF3F51BA10A}">
-      <p15:sldGuideLst xmlns:p15="http://schemas.microsoft.com/office/powerpoint/2012/main">
+      <p15:sldGuideLst xmlns="" xmlns:p15="http://schemas.microsoft.com/office/powerpoint/2012/main">
         <p15:guide id="1" orient="horz" pos="2160">
           <p15:clr>
             <a:srgbClr val="A4A3A4"/>
@@ -214,7 +215,7 @@
             <a:fld id="{EE36CFDE-F906-4973-967C-D71E2319273B}" type="datetimeFigureOut">
               <a:rPr lang="en-GB" smtClean="0"/>
               <a:pPr/>
-              <a:t>12/11/2016</a:t>
+              <a:t>16/11/2016</a:t>
             </a:fld>
             <a:endParaRPr lang="en-GB"/>
           </a:p>
@@ -383,7 +384,7 @@
     </p:spTree>
     <p:extLst>
       <p:ext uri="{BB962C8B-B14F-4D97-AF65-F5344CB8AC3E}">
-        <p14:creationId xmlns:p14="http://schemas.microsoft.com/office/powerpoint/2010/main" val="876326493"/>
+        <p14:creationId xmlns="" xmlns:p14="http://schemas.microsoft.com/office/powerpoint/2010/main" val="876326493"/>
       </p:ext>
     </p:extLst>
   </p:cSld>
@@ -665,7 +666,7 @@
             <a:fld id="{1D8BD707-D9CF-40AE-B4C6-C98DA3205C09}" type="datetimeFigureOut">
               <a:rPr lang="en-US" smtClean="0"/>
               <a:pPr/>
-              <a:t>11/12/2016</a:t>
+              <a:t>11/16/2016</a:t>
             </a:fld>
             <a:endParaRPr lang="en-US"/>
           </a:p>
@@ -832,7 +833,7 @@
             <a:fld id="{1D8BD707-D9CF-40AE-B4C6-C98DA3205C09}" type="datetimeFigureOut">
               <a:rPr lang="en-US" smtClean="0"/>
               <a:pPr/>
-              <a:t>11/12/2016</a:t>
+              <a:t>11/16/2016</a:t>
             </a:fld>
             <a:endParaRPr lang="en-US"/>
           </a:p>
@@ -1009,7 +1010,7 @@
             <a:fld id="{1D8BD707-D9CF-40AE-B4C6-C98DA3205C09}" type="datetimeFigureOut">
               <a:rPr lang="en-US" smtClean="0"/>
               <a:pPr/>
-              <a:t>11/12/2016</a:t>
+              <a:t>11/16/2016</a:t>
             </a:fld>
             <a:endParaRPr lang="en-US"/>
           </a:p>
@@ -1176,7 +1177,7 @@
             <a:fld id="{1D8BD707-D9CF-40AE-B4C6-C98DA3205C09}" type="datetimeFigureOut">
               <a:rPr lang="en-US" smtClean="0"/>
               <a:pPr/>
-              <a:t>11/12/2016</a:t>
+              <a:t>11/16/2016</a:t>
             </a:fld>
             <a:endParaRPr lang="en-US"/>
           </a:p>
@@ -1419,7 +1420,7 @@
             <a:fld id="{1D8BD707-D9CF-40AE-B4C6-C98DA3205C09}" type="datetimeFigureOut">
               <a:rPr lang="en-US" smtClean="0"/>
               <a:pPr/>
-              <a:t>11/12/2016</a:t>
+              <a:t>11/16/2016</a:t>
             </a:fld>
             <a:endParaRPr lang="en-US"/>
           </a:p>
@@ -1704,7 +1705,7 @@
             <a:fld id="{1D8BD707-D9CF-40AE-B4C6-C98DA3205C09}" type="datetimeFigureOut">
               <a:rPr lang="en-US" smtClean="0"/>
               <a:pPr/>
-              <a:t>11/12/2016</a:t>
+              <a:t>11/16/2016</a:t>
             </a:fld>
             <a:endParaRPr lang="en-US"/>
           </a:p>
@@ -2123,7 +2124,7 @@
             <a:fld id="{1D8BD707-D9CF-40AE-B4C6-C98DA3205C09}" type="datetimeFigureOut">
               <a:rPr lang="en-US" smtClean="0"/>
               <a:pPr/>
-              <a:t>11/12/2016</a:t>
+              <a:t>11/16/2016</a:t>
             </a:fld>
             <a:endParaRPr lang="en-US"/>
           </a:p>
@@ -2238,7 +2239,7 @@
             <a:fld id="{1D8BD707-D9CF-40AE-B4C6-C98DA3205C09}" type="datetimeFigureOut">
               <a:rPr lang="en-US" smtClean="0"/>
               <a:pPr/>
-              <a:t>11/12/2016</a:t>
+              <a:t>11/16/2016</a:t>
             </a:fld>
             <a:endParaRPr lang="en-US"/>
           </a:p>
@@ -2330,7 +2331,7 @@
             <a:fld id="{1D8BD707-D9CF-40AE-B4C6-C98DA3205C09}" type="datetimeFigureOut">
               <a:rPr lang="en-US" smtClean="0"/>
               <a:pPr/>
-              <a:t>11/12/2016</a:t>
+              <a:t>11/16/2016</a:t>
             </a:fld>
             <a:endParaRPr lang="en-US"/>
           </a:p>
@@ -2604,7 +2605,7 @@
             <a:fld id="{1D8BD707-D9CF-40AE-B4C6-C98DA3205C09}" type="datetimeFigureOut">
               <a:rPr lang="en-US" smtClean="0"/>
               <a:pPr/>
-              <a:t>11/12/2016</a:t>
+              <a:t>11/16/2016</a:t>
             </a:fld>
             <a:endParaRPr lang="en-US"/>
           </a:p>
@@ -2854,7 +2855,7 @@
             <a:fld id="{1D8BD707-D9CF-40AE-B4C6-C98DA3205C09}" type="datetimeFigureOut">
               <a:rPr lang="en-US" smtClean="0"/>
               <a:pPr/>
-              <a:t>11/12/2016</a:t>
+              <a:t>11/16/2016</a:t>
             </a:fld>
             <a:endParaRPr lang="en-US"/>
           </a:p>
@@ -3064,7 +3065,7 @@
             <a:fld id="{1D8BD707-D9CF-40AE-B4C6-C98DA3205C09}" type="datetimeFigureOut">
               <a:rPr lang="en-US" smtClean="0"/>
               <a:pPr/>
-              <a:t>11/12/2016</a:t>
+              <a:t>11/16/2016</a:t>
             </a:fld>
             <a:endParaRPr lang="en-US"/>
           </a:p>
@@ -3753,7 +3754,7 @@
           <a:blip r:embed="rId4" cstate="print">
             <a:extLst>
               <a:ext uri="{28A0092B-C50C-407E-A947-70E740481C1C}">
-                <a14:useLocalDpi xmlns:a14="http://schemas.microsoft.com/office/drawing/2010/main" val="0"/>
+                <a14:useLocalDpi xmlns="" xmlns:a14="http://schemas.microsoft.com/office/drawing/2010/main" val="0"/>
               </a:ext>
             </a:extLst>
           </a:blip>
@@ -3774,13 +3775,20 @@
     </p:spTree>
     <p:extLst>
       <p:ext uri="{BB962C8B-B14F-4D97-AF65-F5344CB8AC3E}">
-        <p14:creationId xmlns:p14="http://schemas.microsoft.com/office/powerpoint/2010/main" val="3691909761"/>
+        <p14:creationId xmlns="" xmlns:p14="http://schemas.microsoft.com/office/powerpoint/2010/main" val="3691909761"/>
       </p:ext>
     </p:extLst>
   </p:cSld>
   <p:clrMapOvr>
     <a:masterClrMapping/>
   </p:clrMapOvr>
+  <p:timing>
+    <p:tnLst>
+      <p:par>
+        <p:cTn id="1" dur="indefinite" restart="never" nodeType="tmRoot"/>
+      </p:par>
+    </p:tnLst>
+  </p:timing>
 </p:sld>
 </file>
 
@@ -3824,45 +3832,136 @@
           </a:p>
         </p:txBody>
       </p:sp>
-      <p:sp>
-        <p:nvSpPr>
-          <p:cNvPr id="4" name="TextBox 3"/>
-          <p:cNvSpPr txBox="1"/>
-          <p:nvPr/>
-        </p:nvSpPr>
+      <p:pic>
+        <p:nvPicPr>
+          <p:cNvPr id="5" name="lexiconbuildvid (1).wmv">
+            <a:hlinkClick r:id="" action="ppaction://media"/>
+          </p:cNvPr>
+          <p:cNvPicPr>
+            <a:picLocks noRot="1" noChangeAspect="1"/>
+          </p:cNvPicPr>
+          <p:nvPr>
+            <a:videoFile r:link="rId1"/>
+          </p:nvPr>
+        </p:nvPicPr>
+        <p:blipFill>
+          <a:blip r:embed="rId3" cstate="print"/>
+          <a:stretch>
+            <a:fillRect/>
+          </a:stretch>
+        </p:blipFill>
         <p:spPr>
           <a:xfrm>
-            <a:off x="3657600" y="2438400"/>
-            <a:ext cx="1828800" cy="369332"/>
+            <a:off x="152400" y="1676400"/>
+            <a:ext cx="8839200" cy="3928534"/>
           </a:xfrm>
           <a:prstGeom prst="rect">
             <a:avLst/>
           </a:prstGeom>
-          <a:noFill/>
         </p:spPr>
-        <p:txBody>
-          <a:bodyPr wrap="square" rtlCol="0">
-            <a:spAutoFit/>
-          </a:bodyPr>
-          <a:lstStyle/>
-          <a:p>
-            <a:r>
-              <a:rPr lang="en-GB" dirty="0" smtClean="0"/>
-              <a:t>Prototype here</a:t>
-            </a:r>
-          </a:p>
-        </p:txBody>
-      </p:sp>
+      </p:pic>
     </p:spTree>
     <p:extLst>
       <p:ext uri="{BB962C8B-B14F-4D97-AF65-F5344CB8AC3E}">
-        <p14:creationId xmlns:p14="http://schemas.microsoft.com/office/powerpoint/2010/main" val="2898229154"/>
+        <p14:creationId xmlns="" xmlns:p14="http://schemas.microsoft.com/office/powerpoint/2010/main" val="2898229154"/>
       </p:ext>
     </p:extLst>
   </p:cSld>
   <p:clrMapOvr>
     <a:masterClrMapping/>
   </p:clrMapOvr>
+  <p:timing>
+    <p:tnLst>
+      <p:par>
+        <p:cTn id="1" dur="indefinite" restart="never" nodeType="tmRoot">
+          <p:childTnLst>
+            <p:seq concurrent="1" nextAc="seek">
+              <p:cTn id="2" restart="whenNotActive" fill="hold" evtFilter="cancelBubble" nodeType="interactiveSeq">
+                <p:stCondLst>
+                  <p:cond evt="onClick" delay="0">
+                    <p:tgtEl>
+                      <p:spTgt spid="5"/>
+                    </p:tgtEl>
+                  </p:cond>
+                </p:stCondLst>
+                <p:endSync evt="end" delay="0">
+                  <p:rtn val="all"/>
+                </p:endSync>
+                <p:childTnLst>
+                  <p:par>
+                    <p:cTn id="3" fill="hold">
+                      <p:stCondLst>
+                        <p:cond delay="0"/>
+                      </p:stCondLst>
+                      <p:childTnLst>
+                        <p:par>
+                          <p:cTn id="4" fill="hold">
+                            <p:stCondLst>
+                              <p:cond delay="0"/>
+                            </p:stCondLst>
+                            <p:childTnLst>
+                              <p:par>
+                                <p:cTn id="5" presetID="2" presetClass="mediacall" presetSubtype="0" fill="hold" nodeType="clickEffect">
+                                  <p:stCondLst>
+                                    <p:cond delay="0"/>
+                                  </p:stCondLst>
+                                  <p:childTnLst>
+                                    <p:cmd type="call" cmd="togglePause">
+                                      <p:cBhvr>
+                                        <p:cTn id="6" dur="1" fill="hold"/>
+                                        <p:tgtEl>
+                                          <p:spTgt spid="5"/>
+                                        </p:tgtEl>
+                                      </p:cBhvr>
+                                    </p:cmd>
+                                  </p:childTnLst>
+                                </p:cTn>
+                              </p:par>
+                            </p:childTnLst>
+                          </p:cTn>
+                        </p:par>
+                      </p:childTnLst>
+                    </p:cTn>
+                  </p:par>
+                </p:childTnLst>
+              </p:cTn>
+              <p:nextCondLst>
+                <p:cond evt="onClick" delay="0">
+                  <p:tgtEl>
+                    <p:spTgt spid="5"/>
+                  </p:tgtEl>
+                </p:cond>
+              </p:nextCondLst>
+            </p:seq>
+            <p:video>
+              <p:cMediaNode>
+                <p:cTn id="7" fill="hold" display="0">
+                  <p:stCondLst>
+                    <p:cond delay="indefinite"/>
+                  </p:stCondLst>
+                  <p:endCondLst>
+                    <p:cond evt="onNext" delay="0">
+                      <p:tgtEl>
+                        <p:sldTgt/>
+                      </p:tgtEl>
+                    </p:cond>
+                    <p:cond evt="onPrev" delay="0">
+                      <p:tgtEl>
+                        <p:sldTgt/>
+                      </p:tgtEl>
+                    </p:cond>
+                  </p:endCondLst>
+                </p:cTn>
+                <p:tgtEl>
+                  <p:spTgt spid="5"/>
+                </p:tgtEl>
+              </p:cMediaNode>
+            </p:video>
+          </p:childTnLst>
+        </p:cTn>
+      </p:par>
+    </p:tnLst>
+  </p:timing>
 </p:sld>
 </file>
 
@@ -3950,13 +4049,20 @@
     </p:spTree>
     <p:extLst>
       <p:ext uri="{BB962C8B-B14F-4D97-AF65-F5344CB8AC3E}">
-        <p14:creationId xmlns:p14="http://schemas.microsoft.com/office/powerpoint/2010/main" val="2079016074"/>
+        <p14:creationId xmlns="" xmlns:p14="http://schemas.microsoft.com/office/powerpoint/2010/main" val="2079016074"/>
       </p:ext>
     </p:extLst>
   </p:cSld>
   <p:clrMapOvr>
     <a:masterClrMapping/>
   </p:clrMapOvr>
+  <p:timing>
+    <p:tnLst>
+      <p:par>
+        <p:cTn id="1" dur="indefinite" restart="never" nodeType="tmRoot"/>
+      </p:par>
+    </p:tnLst>
+  </p:timing>
 </p:sld>
 </file>
 
@@ -4000,54 +4106,127 @@
           </a:p>
         </p:txBody>
       </p:sp>
-      <p:sp>
-        <p:nvSpPr>
-          <p:cNvPr id="3" name="Content Placeholder 2"/>
-          <p:cNvSpPr>
-            <a:spLocks noGrp="1"/>
-          </p:cNvSpPr>
-          <p:nvPr>
-            <p:ph idx="1"/>
-          </p:nvPr>
-        </p:nvSpPr>
-        <p:spPr/>
-        <p:txBody>
-          <a:bodyPr/>
-          <a:lstStyle/>
-          <a:p>
-            <a:r>
-              <a:rPr lang="en-GB" dirty="0">
-                <a:hlinkClick r:id="rId2"/>
-              </a:rPr>
-              <a:t>https://</a:t>
-            </a:r>
-            <a:r>
-              <a:rPr lang="en-GB" dirty="0" smtClean="0">
-                <a:hlinkClick r:id="rId2"/>
-              </a:rPr>
-              <a:t>github.com/UoSGamesGroups/first-semester-lvl4-5-group-7/pulse/monthly</a:t>
-            </a:r>
-            <a:endParaRPr lang="en-GB" dirty="0" smtClean="0"/>
-          </a:p>
-          <a:p>
-            <a:r>
-              <a:rPr lang="en-GB" dirty="0" smtClean="0"/>
-              <a:t>Use these graphs before the presentation so they are up to date</a:t>
-            </a:r>
-            <a:endParaRPr lang="en-GB" dirty="0"/>
-          </a:p>
-        </p:txBody>
-      </p:sp>
+      <p:pic>
+        <p:nvPicPr>
+          <p:cNvPr id="1026" name="Picture 2" descr="E:\Weekly Commits.PNG"/>
+          <p:cNvPicPr>
+            <a:picLocks noChangeAspect="1" noChangeArrowheads="1"/>
+          </p:cNvPicPr>
+          <p:nvPr/>
+        </p:nvPicPr>
+        <p:blipFill>
+          <a:blip r:embed="rId2" cstate="print"/>
+          <a:srcRect/>
+          <a:stretch>
+            <a:fillRect/>
+          </a:stretch>
+        </p:blipFill>
+        <p:spPr bwMode="auto">
+          <a:xfrm>
+            <a:off x="152400" y="1295400"/>
+            <a:ext cx="2971800" cy="2635094"/>
+          </a:xfrm>
+          <a:prstGeom prst="rect">
+            <a:avLst/>
+          </a:prstGeom>
+          <a:noFill/>
+        </p:spPr>
+      </p:pic>
+      <p:pic>
+        <p:nvPicPr>
+          <p:cNvPr id="1027" name="Picture 3" descr="E:\Punch Card.PNG"/>
+          <p:cNvPicPr>
+            <a:picLocks noChangeAspect="1" noChangeArrowheads="1"/>
+          </p:cNvPicPr>
+          <p:nvPr/>
+        </p:nvPicPr>
+        <p:blipFill>
+          <a:blip r:embed="rId3" cstate="print"/>
+          <a:srcRect/>
+          <a:stretch>
+            <a:fillRect/>
+          </a:stretch>
+        </p:blipFill>
+        <p:spPr bwMode="auto">
+          <a:xfrm>
+            <a:off x="3429000" y="1219200"/>
+            <a:ext cx="5562600" cy="3063953"/>
+          </a:xfrm>
+          <a:prstGeom prst="rect">
+            <a:avLst/>
+          </a:prstGeom>
+          <a:noFill/>
+        </p:spPr>
+      </p:pic>
+      <p:pic>
+        <p:nvPicPr>
+          <p:cNvPr id="1028" name="Picture 4" descr="E:\Commits.PNG"/>
+          <p:cNvPicPr>
+            <a:picLocks noChangeAspect="1" noChangeArrowheads="1"/>
+          </p:cNvPicPr>
+          <p:nvPr/>
+        </p:nvPicPr>
+        <p:blipFill>
+          <a:blip r:embed="rId4" cstate="print"/>
+          <a:srcRect/>
+          <a:stretch>
+            <a:fillRect/>
+          </a:stretch>
+        </p:blipFill>
+        <p:spPr bwMode="auto">
+          <a:xfrm>
+            <a:off x="228600" y="4495800"/>
+            <a:ext cx="5029200" cy="2038177"/>
+          </a:xfrm>
+          <a:prstGeom prst="rect">
+            <a:avLst/>
+          </a:prstGeom>
+          <a:noFill/>
+        </p:spPr>
+      </p:pic>
+      <p:pic>
+        <p:nvPicPr>
+          <p:cNvPr id="1029" name="Picture 5" descr="E:\Issues.PNG"/>
+          <p:cNvPicPr>
+            <a:picLocks noChangeAspect="1" noChangeArrowheads="1"/>
+          </p:cNvPicPr>
+          <p:nvPr/>
+        </p:nvPicPr>
+        <p:blipFill>
+          <a:blip r:embed="rId5" cstate="print"/>
+          <a:srcRect/>
+          <a:stretch>
+            <a:fillRect/>
+          </a:stretch>
+        </p:blipFill>
+        <p:spPr bwMode="auto">
+          <a:xfrm>
+            <a:off x="5321300" y="4724400"/>
+            <a:ext cx="3822700" cy="1083229"/>
+          </a:xfrm>
+          <a:prstGeom prst="rect">
+            <a:avLst/>
+          </a:prstGeom>
+          <a:noFill/>
+        </p:spPr>
+      </p:pic>
     </p:spTree>
     <p:extLst>
       <p:ext uri="{BB962C8B-B14F-4D97-AF65-F5344CB8AC3E}">
-        <p14:creationId xmlns:p14="http://schemas.microsoft.com/office/powerpoint/2010/main" val="2612720786"/>
+        <p14:creationId xmlns="" xmlns:p14="http://schemas.microsoft.com/office/powerpoint/2010/main" val="2612720786"/>
       </p:ext>
     </p:extLst>
   </p:cSld>
   <p:clrMapOvr>
     <a:masterClrMapping/>
   </p:clrMapOvr>
+  <p:timing>
+    <p:tnLst>
+      <p:par>
+        <p:cTn id="1" dur="indefinite" restart="never" nodeType="tmRoot"/>
+      </p:par>
+    </p:tnLst>
+  </p:timing>
 </p:sld>
 </file>
 
@@ -4085,6 +4264,95 @@
           <a:p>
             <a:r>
               <a:rPr lang="en-GB" dirty="0" smtClean="0"/>
+              <a:t>Hours</a:t>
+            </a:r>
+            <a:endParaRPr lang="en-GB" dirty="0"/>
+          </a:p>
+        </p:txBody>
+      </p:sp>
+      <p:sp>
+        <p:nvSpPr>
+          <p:cNvPr id="3" name="Content Placeholder 2"/>
+          <p:cNvSpPr>
+            <a:spLocks noGrp="1"/>
+          </p:cNvSpPr>
+          <p:nvPr>
+            <p:ph idx="1"/>
+          </p:nvPr>
+        </p:nvSpPr>
+        <p:spPr/>
+        <p:txBody>
+          <a:bodyPr/>
+          <a:lstStyle/>
+          <a:p>
+            <a:r>
+              <a:rPr lang="en-GB" dirty="0" smtClean="0"/>
+              <a:t>Elliot Page: 23 Hours</a:t>
+            </a:r>
+          </a:p>
+          <a:p>
+            <a:r>
+              <a:rPr lang="en-GB" dirty="0" smtClean="0"/>
+              <a:t>Michael Curtis: 17 Hours</a:t>
+            </a:r>
+          </a:p>
+          <a:p>
+            <a:r>
+              <a:rPr lang="en-GB" dirty="0" smtClean="0"/>
+              <a:t>Anastazia Hunt: 20 Hours</a:t>
+            </a:r>
+          </a:p>
+          <a:p>
+            <a:r>
+              <a:rPr lang="en-GB" dirty="0" smtClean="0"/>
+              <a:t>Thomas Barrett: 18 Hours</a:t>
+            </a:r>
+            <a:endParaRPr lang="en-GB" dirty="0"/>
+          </a:p>
+        </p:txBody>
+      </p:sp>
+    </p:spTree>
+  </p:cSld>
+  <p:clrMapOvr>
+    <a:masterClrMapping/>
+  </p:clrMapOvr>
+</p:sld>
+</file>
+
+<file path=ppt/slides/slide7.xml><?xml version="1.0" encoding="utf-8"?>
+<p:sld xmlns:a="http://schemas.openxmlformats.org/drawingml/2006/main" xmlns:r="http://schemas.openxmlformats.org/officeDocument/2006/relationships" xmlns:p="http://schemas.openxmlformats.org/presentationml/2006/main">
+  <p:cSld>
+    <p:spTree>
+      <p:nvGrpSpPr>
+        <p:cNvPr id="1" name=""/>
+        <p:cNvGrpSpPr/>
+        <p:nvPr/>
+      </p:nvGrpSpPr>
+      <p:grpSpPr>
+        <a:xfrm>
+          <a:off x="0" y="0"/>
+          <a:ext cx="0" cy="0"/>
+          <a:chOff x="0" y="0"/>
+          <a:chExt cx="0" cy="0"/>
+        </a:xfrm>
+      </p:grpSpPr>
+      <p:sp>
+        <p:nvSpPr>
+          <p:cNvPr id="2" name="Title 1"/>
+          <p:cNvSpPr>
+            <a:spLocks noGrp="1"/>
+          </p:cNvSpPr>
+          <p:nvPr>
+            <p:ph type="title"/>
+          </p:nvPr>
+        </p:nvSpPr>
+        <p:spPr/>
+        <p:txBody>
+          <a:bodyPr/>
+          <a:lstStyle/>
+          <a:p>
+            <a:r>
+              <a:rPr lang="en-GB" dirty="0" smtClean="0"/>
               <a:t>Questions?</a:t>
             </a:r>
             <a:endParaRPr lang="en-GB" dirty="0"/>
@@ -4103,7 +4371,7 @@
           <a:blip r:embed="rId2" cstate="print">
             <a:extLst>
               <a:ext uri="{28A0092B-C50C-407E-A947-70E740481C1C}">
-                <a14:useLocalDpi xmlns:a14="http://schemas.microsoft.com/office/drawing/2010/main" val="0"/>
+                <a14:useLocalDpi xmlns="" xmlns:a14="http://schemas.microsoft.com/office/drawing/2010/main" val="0"/>
               </a:ext>
             </a:extLst>
           </a:blip>
@@ -4123,7 +4391,7 @@
           <a:noFill/>
           <a:extLst>
             <a:ext uri="{909E8E84-426E-40DD-AFC4-6F175D3DCCD1}">
-              <a14:hiddenFill xmlns:a14="http://schemas.microsoft.com/office/drawing/2010/main">
+              <a14:hiddenFill xmlns="" xmlns:a14="http://schemas.microsoft.com/office/drawing/2010/main">
                 <a:solidFill>
                   <a:srgbClr val="FFFFFF"/>
                 </a:solidFill>
@@ -4135,7 +4403,7 @@
     </p:spTree>
     <p:extLst>
       <p:ext uri="{BB962C8B-B14F-4D97-AF65-F5344CB8AC3E}">
-        <p14:creationId xmlns:p14="http://schemas.microsoft.com/office/powerpoint/2010/main" val="479705636"/>
+        <p14:creationId xmlns="" xmlns:p14="http://schemas.microsoft.com/office/powerpoint/2010/main" val="479705636"/>
       </p:ext>
     </p:extLst>
   </p:cSld>

--- a/Management/Presentations/Presentation-02.pptx
+++ b/Management/Presentations/Presentation-02.pptx
@@ -115,7 +115,7 @@
   </p:defaultTextStyle>
   <p:extLst>
     <p:ext uri="{EFAFB233-063F-42B5-8137-9DF3F51BA10A}">
-      <p15:sldGuideLst xmlns="" xmlns:p15="http://schemas.microsoft.com/office/powerpoint/2012/main">
+      <p15:sldGuideLst xmlns:p15="http://schemas.microsoft.com/office/powerpoint/2012/main" xmlns="">
         <p15:guide id="1" orient="horz" pos="2160">
           <p15:clr>
             <a:srgbClr val="A4A3A4"/>
@@ -384,7 +384,7 @@
     </p:spTree>
     <p:extLst>
       <p:ext uri="{BB962C8B-B14F-4D97-AF65-F5344CB8AC3E}">
-        <p14:creationId xmlns="" xmlns:p14="http://schemas.microsoft.com/office/powerpoint/2010/main" val="876326493"/>
+        <p14:creationId xmlns:p14="http://schemas.microsoft.com/office/powerpoint/2010/main" xmlns="" val="876326493"/>
       </p:ext>
     </p:extLst>
   </p:cSld>
@@ -3483,7 +3483,15 @@
           <a:p>
             <a:r>
               <a:rPr lang="en-GB" dirty="0" smtClean="0"/>
-              <a:t>Elliot Page, Michael Curtis, Thomas Barret, Anastazia Hunt</a:t>
+              <a:t>Elliot Page, Michael Curtis, Thomas </a:t>
+            </a:r>
+            <a:r>
+              <a:rPr lang="en-GB" dirty="0" smtClean="0"/>
+              <a:t>Barrett</a:t>
+            </a:r>
+            <a:r>
+              <a:rPr lang="en-GB" dirty="0" smtClean="0"/>
+              <a:t>, Anastazia Hunt</a:t>
             </a:r>
             <a:endParaRPr lang="en-GB" dirty="0"/>
           </a:p>
@@ -3754,7 +3762,7 @@
           <a:blip r:embed="rId4" cstate="print">
             <a:extLst>
               <a:ext uri="{28A0092B-C50C-407E-A947-70E740481C1C}">
-                <a14:useLocalDpi xmlns="" xmlns:a14="http://schemas.microsoft.com/office/drawing/2010/main" val="0"/>
+                <a14:useLocalDpi xmlns:a14="http://schemas.microsoft.com/office/drawing/2010/main" xmlns="" val="0"/>
               </a:ext>
             </a:extLst>
           </a:blip>
@@ -3775,7 +3783,7 @@
     </p:spTree>
     <p:extLst>
       <p:ext uri="{BB962C8B-B14F-4D97-AF65-F5344CB8AC3E}">
-        <p14:creationId xmlns="" xmlns:p14="http://schemas.microsoft.com/office/powerpoint/2010/main" val="3691909761"/>
+        <p14:creationId xmlns:p14="http://schemas.microsoft.com/office/powerpoint/2010/main" xmlns="" val="3691909761"/>
       </p:ext>
     </p:extLst>
   </p:cSld>
@@ -3863,7 +3871,7 @@
     </p:spTree>
     <p:extLst>
       <p:ext uri="{BB962C8B-B14F-4D97-AF65-F5344CB8AC3E}">
-        <p14:creationId xmlns="" xmlns:p14="http://schemas.microsoft.com/office/powerpoint/2010/main" val="2898229154"/>
+        <p14:creationId xmlns:p14="http://schemas.microsoft.com/office/powerpoint/2010/main" xmlns="" val="2898229154"/>
       </p:ext>
     </p:extLst>
   </p:cSld>
@@ -4040,7 +4048,23 @@
           <a:p>
             <a:r>
               <a:rPr lang="en-GB" dirty="0" smtClean="0"/>
-              <a:t>Improving bookshop to reward the player.</a:t>
+              <a:t>Improving bookshop to reward the player</a:t>
+            </a:r>
+            <a:r>
+              <a:rPr lang="en-GB" dirty="0" smtClean="0"/>
+              <a:t>.</a:t>
+            </a:r>
+          </a:p>
+          <a:p>
+            <a:r>
+              <a:rPr lang="en-GB" dirty="0" smtClean="0"/>
+              <a:t>Implement additional character sprites.</a:t>
+            </a:r>
+          </a:p>
+          <a:p>
+            <a:r>
+              <a:rPr lang="en-GB" dirty="0" smtClean="0"/>
+              <a:t>Implement our music/sounds and our artwork to the scene to promote Vellichor.</a:t>
             </a:r>
             <a:endParaRPr lang="en-GB" dirty="0"/>
           </a:p>
@@ -4049,7 +4073,7 @@
     </p:spTree>
     <p:extLst>
       <p:ext uri="{BB962C8B-B14F-4D97-AF65-F5344CB8AC3E}">
-        <p14:creationId xmlns="" xmlns:p14="http://schemas.microsoft.com/office/powerpoint/2010/main" val="2079016074"/>
+        <p14:creationId xmlns:p14="http://schemas.microsoft.com/office/powerpoint/2010/main" xmlns="" val="2079016074"/>
       </p:ext>
     </p:extLst>
   </p:cSld>
@@ -4149,8 +4173,8 @@
         </p:blipFill>
         <p:spPr bwMode="auto">
           <a:xfrm>
-            <a:off x="3429000" y="1219200"/>
-            <a:ext cx="5562600" cy="3063953"/>
+            <a:off x="3048000" y="1237940"/>
+            <a:ext cx="5943600" cy="3273813"/>
           </a:xfrm>
           <a:prstGeom prst="rect">
             <a:avLst/>
@@ -4186,7 +4210,7 @@
       </p:pic>
       <p:pic>
         <p:nvPicPr>
-          <p:cNvPr id="1029" name="Picture 5" descr="E:\Issues.PNG"/>
+          <p:cNvPr id="3" name="Picture 2" descr="E:\Second Year Assignments\Group Project\Powerpoints\Presentation 2\Issues.PNG"/>
           <p:cNvPicPr>
             <a:picLocks noChangeAspect="1" noChangeArrowheads="1"/>
           </p:cNvPicPr>
@@ -4201,8 +4225,8 @@
         </p:blipFill>
         <p:spPr bwMode="auto">
           <a:xfrm>
-            <a:off x="5321300" y="4724400"/>
-            <a:ext cx="3822700" cy="1083229"/>
+            <a:off x="5279791" y="4953000"/>
+            <a:ext cx="3864209" cy="1175035"/>
           </a:xfrm>
           <a:prstGeom prst="rect">
             <a:avLst/>
@@ -4213,7 +4237,7 @@
     </p:spTree>
     <p:extLst>
       <p:ext uri="{BB962C8B-B14F-4D97-AF65-F5344CB8AC3E}">
-        <p14:creationId xmlns="" xmlns:p14="http://schemas.microsoft.com/office/powerpoint/2010/main" val="2612720786"/>
+        <p14:creationId xmlns:p14="http://schemas.microsoft.com/office/powerpoint/2010/main" xmlns="" val="2612720786"/>
       </p:ext>
     </p:extLst>
   </p:cSld>
@@ -4299,13 +4323,33 @@
           <a:p>
             <a:r>
               <a:rPr lang="en-GB" dirty="0" smtClean="0"/>
-              <a:t>Anastazia Hunt: 20 Hours</a:t>
-            </a:r>
-          </a:p>
-          <a:p>
+              <a:t>Anastazia Hunt: </a:t>
+            </a:r>
             <a:r>
               <a:rPr lang="en-GB" dirty="0" smtClean="0"/>
-              <a:t>Thomas Barrett: 18 Hours</a:t>
+              <a:t>23 </a:t>
+            </a:r>
+            <a:r>
+              <a:rPr lang="en-GB" dirty="0" smtClean="0"/>
+              <a:t>Hours</a:t>
+            </a:r>
+          </a:p>
+          <a:p>
+            <a:r>
+              <a:rPr lang="en-GB" dirty="0" smtClean="0"/>
+              <a:t>Thomas Barrett: </a:t>
+            </a:r>
+            <a:r>
+              <a:rPr lang="en-GB" dirty="0" smtClean="0"/>
+              <a:t>20</a:t>
+            </a:r>
+            <a:r>
+              <a:rPr lang="en-GB" dirty="0" smtClean="0"/>
+              <a:t> </a:t>
+            </a:r>
+            <a:r>
+              <a:rPr lang="en-GB" dirty="0" smtClean="0"/>
+              <a:t>Hours</a:t>
             </a:r>
             <a:endParaRPr lang="en-GB" dirty="0"/>
           </a:p>
@@ -4371,7 +4415,7 @@
           <a:blip r:embed="rId2" cstate="print">
             <a:extLst>
               <a:ext uri="{28A0092B-C50C-407E-A947-70E740481C1C}">
-                <a14:useLocalDpi xmlns="" xmlns:a14="http://schemas.microsoft.com/office/drawing/2010/main" val="0"/>
+                <a14:useLocalDpi xmlns:a14="http://schemas.microsoft.com/office/drawing/2010/main" xmlns="" val="0"/>
               </a:ext>
             </a:extLst>
           </a:blip>
@@ -4391,7 +4435,7 @@
           <a:noFill/>
           <a:extLst>
             <a:ext uri="{909E8E84-426E-40DD-AFC4-6F175D3DCCD1}">
-              <a14:hiddenFill xmlns="" xmlns:a14="http://schemas.microsoft.com/office/drawing/2010/main">
+              <a14:hiddenFill xmlns:a14="http://schemas.microsoft.com/office/drawing/2010/main" xmlns="">
                 <a:solidFill>
                   <a:srgbClr val="FFFFFF"/>
                 </a:solidFill>
@@ -4403,7 +4447,7 @@
     </p:spTree>
     <p:extLst>
       <p:ext uri="{BB962C8B-B14F-4D97-AF65-F5344CB8AC3E}">
-        <p14:creationId xmlns="" xmlns:p14="http://schemas.microsoft.com/office/powerpoint/2010/main" val="479705636"/>
+        <p14:creationId xmlns:p14="http://schemas.microsoft.com/office/powerpoint/2010/main" xmlns="" val="479705636"/>
       </p:ext>
     </p:extLst>
   </p:cSld>
